--- a/lectures/powerpoints/Second Part.pptx
+++ b/lectures/powerpoints/Second Part.pptx
@@ -138,8 +138,7 @@
 <file path=ppt/revisionInfo.xml><?xml version="1.0" encoding="utf-8"?>
 <p1510:revInfo xmlns:a="http://schemas.openxmlformats.org/drawingml/2006/main" xmlns:r="http://schemas.openxmlformats.org/officeDocument/2006/relationships" xmlns:p1510="http://schemas.microsoft.com/office/powerpoint/2015/10/main">
   <p1510:revLst>
-    <p1510:client id="{24146070-5A02-4577-8887-B75E2BAE4836}" v="7" dt="2023-12-19T20:41:15.989"/>
-    <p1510:client id="{D9727109-CA21-46D6-8CA1-1D8F9B04FC13}" v="34" dt="2023-12-19T18:30:04.757"/>
+    <p1510:client id="{8D95B369-DAD4-44A3-AC9B-8A387534D9BA}" v="2" dt="2024-05-06T16:23:37.716"/>
   </p1510:revLst>
 </p1510:revInfo>
 </file>
@@ -201,7 +200,7 @@
           <a:p>
             <a:fld id="{237A3326-6BE8-4DE2-A526-66D6DC5DC342}" type="datetimeFigureOut">
               <a:rPr lang="en-GB" smtClean="0"/>
-              <a:t>19/12/2023</a:t>
+              <a:t>06/05/2024</a:t>
             </a:fld>
             <a:endParaRPr lang="en-GB"/>
           </a:p>
@@ -378,7 +377,7 @@
           <a:p>
             <a:fld id="{198E9702-0021-4473-93B9-41638846F4C4}" type="datetimeFigureOut">
               <a:rPr lang="en-GB" smtClean="0"/>
-              <a:t>19/12/2023</a:t>
+              <a:t>06/05/2024</a:t>
             </a:fld>
             <a:endParaRPr lang="en-GB"/>
           </a:p>
@@ -890,7 +889,7 @@
           <a:p>
             <a:fld id="{B1836D41-3C4D-1D49-AA54-4231464E6415}" type="datetimeFigureOut">
               <a:rPr lang="en-US" smtClean="0"/>
-              <a:t>12/19/2023</a:t>
+              <a:t>5/6/2024</a:t>
             </a:fld>
             <a:endParaRPr lang="en-US"/>
           </a:p>
@@ -1094,7 +1093,7 @@
           <a:p>
             <a:fld id="{B1836D41-3C4D-1D49-AA54-4231464E6415}" type="datetimeFigureOut">
               <a:rPr lang="en-US" smtClean="0"/>
-              <a:t>12/19/2023</a:t>
+              <a:t>5/6/2024</a:t>
             </a:fld>
             <a:endParaRPr lang="en-US"/>
           </a:p>
@@ -1275,7 +1274,7 @@
           <a:p>
             <a:fld id="{B1836D41-3C4D-1D49-AA54-4231464E6415}" type="datetimeFigureOut">
               <a:rPr lang="en-US" smtClean="0"/>
-              <a:t>12/19/2023</a:t>
+              <a:t>5/6/2024</a:t>
             </a:fld>
             <a:endParaRPr lang="en-US"/>
           </a:p>
@@ -1450,7 +1449,7 @@
           <a:p>
             <a:fld id="{B1836D41-3C4D-1D49-AA54-4231464E6415}" type="datetimeFigureOut">
               <a:rPr lang="en-US" smtClean="0"/>
-              <a:t>12/19/2023</a:t>
+              <a:t>5/6/2024</a:t>
             </a:fld>
             <a:endParaRPr lang="en-US"/>
           </a:p>
@@ -1698,7 +1697,7 @@
           <a:p>
             <a:fld id="{B1836D41-3C4D-1D49-AA54-4231464E6415}" type="datetimeFigureOut">
               <a:rPr lang="en-US" smtClean="0"/>
-              <a:t>12/19/2023</a:t>
+              <a:t>5/6/2024</a:t>
             </a:fld>
             <a:endParaRPr lang="en-US"/>
           </a:p>
@@ -2015,7 +2014,7 @@
           <a:p>
             <a:fld id="{B1836D41-3C4D-1D49-AA54-4231464E6415}" type="datetimeFigureOut">
               <a:rPr lang="en-US" smtClean="0"/>
-              <a:t>12/19/2023</a:t>
+              <a:t>5/6/2024</a:t>
             </a:fld>
             <a:endParaRPr lang="en-US"/>
           </a:p>
@@ -2481,7 +2480,7 @@
           <a:p>
             <a:fld id="{B1836D41-3C4D-1D49-AA54-4231464E6415}" type="datetimeFigureOut">
               <a:rPr lang="en-US" smtClean="0"/>
-              <a:t>12/19/2023</a:t>
+              <a:t>5/6/2024</a:t>
             </a:fld>
             <a:endParaRPr lang="en-US"/>
           </a:p>
@@ -2628,7 +2627,7 @@
           <a:p>
             <a:fld id="{B1836D41-3C4D-1D49-AA54-4231464E6415}" type="datetimeFigureOut">
               <a:rPr lang="en-US" smtClean="0"/>
-              <a:t>12/19/2023</a:t>
+              <a:t>5/6/2024</a:t>
             </a:fld>
             <a:endParaRPr lang="en-US"/>
           </a:p>
@@ -2718,7 +2717,7 @@
           <a:p>
             <a:fld id="{B1836D41-3C4D-1D49-AA54-4231464E6415}" type="datetimeFigureOut">
               <a:rPr lang="en-US" smtClean="0"/>
-              <a:t>12/19/2023</a:t>
+              <a:t>5/6/2024</a:t>
             </a:fld>
             <a:endParaRPr lang="en-US"/>
           </a:p>
@@ -2992,7 +2991,7 @@
           <a:p>
             <a:fld id="{B1836D41-3C4D-1D49-AA54-4231464E6415}" type="datetimeFigureOut">
               <a:rPr lang="en-US" smtClean="0"/>
-              <a:t>12/19/2023</a:t>
+              <a:t>5/6/2024</a:t>
             </a:fld>
             <a:endParaRPr lang="en-US"/>
           </a:p>
@@ -3297,7 +3296,7 @@
           <a:p>
             <a:fld id="{B1836D41-3C4D-1D49-AA54-4231464E6415}" type="datetimeFigureOut">
               <a:rPr lang="en-US" smtClean="0"/>
-              <a:t>12/19/2023</a:t>
+              <a:t>5/6/2024</a:t>
             </a:fld>
             <a:endParaRPr lang="en-US"/>
           </a:p>
@@ -3594,7 +3593,7 @@
           <a:p>
             <a:fld id="{B1836D41-3C4D-1D49-AA54-4231464E6415}" type="datetimeFigureOut">
               <a:rPr lang="en-US" smtClean="0"/>
-              <a:t>12/19/2023</a:t>
+              <a:t>5/6/2024</a:t>
             </a:fld>
             <a:endParaRPr lang="en-US"/>
           </a:p>
@@ -4063,310 +4062,6 @@
       </p:sp>
       <p:pic>
         <p:nvPicPr>
-          <p:cNvPr id="1026" name="Picture 2" descr="Nick Brown">
-            <a:extLst>
-              <a:ext uri="{FF2B5EF4-FFF2-40B4-BE49-F238E27FC236}">
-                <a16:creationId xmlns:a16="http://schemas.microsoft.com/office/drawing/2014/main" id="{9AA58E71-4CE8-C202-2733-50EA6DC3D031}"/>
-              </a:ext>
-            </a:extLst>
-          </p:cNvPr>
-          <p:cNvPicPr>
-            <a:picLocks noChangeAspect="1" noChangeArrowheads="1"/>
-          </p:cNvPicPr>
-          <p:nvPr/>
-        </p:nvPicPr>
-        <p:blipFill>
-          <a:blip r:embed="rId3">
-            <a:extLst>
-              <a:ext uri="{28A0092B-C50C-407E-A947-70E740481C1C}">
-                <a14:useLocalDpi xmlns:a14="http://schemas.microsoft.com/office/drawing/2010/main" val="0"/>
-              </a:ext>
-            </a:extLst>
-          </a:blip>
-          <a:srcRect/>
-          <a:stretch>
-            <a:fillRect/>
-          </a:stretch>
-        </p:blipFill>
-        <p:spPr bwMode="auto">
-          <a:xfrm>
-            <a:off x="1090795" y="2492896"/>
-            <a:ext cx="1920478" cy="2400597"/>
-          </a:xfrm>
-          <a:prstGeom prst="ellipse">
-            <a:avLst/>
-          </a:prstGeom>
-          <a:ln>
-            <a:noFill/>
-          </a:ln>
-          <a:effectLst>
-            <a:softEdge rad="112500"/>
-          </a:effectLst>
-          <a:extLst>
-            <a:ext uri="{909E8E84-426E-40DD-AFC4-6F175D3DCCD1}">
-              <a14:hiddenFill xmlns:a14="http://schemas.microsoft.com/office/drawing/2010/main">
-                <a:solidFill>
-                  <a:srgbClr val="FFFFFF"/>
-                </a:solidFill>
-              </a14:hiddenFill>
-            </a:ext>
-          </a:extLst>
-        </p:spPr>
-      </p:pic>
-      <p:sp>
-        <p:nvSpPr>
-          <p:cNvPr id="7" name="TextBox 6">
-            <a:extLst>
-              <a:ext uri="{FF2B5EF4-FFF2-40B4-BE49-F238E27FC236}">
-                <a16:creationId xmlns:a16="http://schemas.microsoft.com/office/drawing/2014/main" id="{47293D41-32D1-CEEC-110A-883C20B52BF1}"/>
-              </a:ext>
-            </a:extLst>
-          </p:cNvPr>
-          <p:cNvSpPr txBox="1"/>
-          <p:nvPr/>
-        </p:nvSpPr>
-        <p:spPr>
-          <a:xfrm>
-            <a:off x="1090795" y="4923227"/>
-            <a:ext cx="2064097" cy="923330"/>
-          </a:xfrm>
-          <a:prstGeom prst="rect">
-            <a:avLst/>
-          </a:prstGeom>
-          <a:noFill/>
-        </p:spPr>
-        <p:txBody>
-          <a:bodyPr wrap="square" rtlCol="0">
-            <a:spAutoFit/>
-          </a:bodyPr>
-          <a:lstStyle/>
-          <a:p>
-            <a:pPr algn="ctr"/>
-            <a:r>
-              <a:rPr lang="en-GB" dirty="0"/>
-              <a:t>Nick Brown </a:t>
-            </a:r>
-          </a:p>
-          <a:p>
-            <a:pPr algn="ctr"/>
-            <a:r>
-              <a:rPr lang="en-GB" dirty="0"/>
-              <a:t>EPCC University of Edinburgh</a:t>
-            </a:r>
-          </a:p>
-        </p:txBody>
-      </p:sp>
-      <p:sp>
-        <p:nvSpPr>
-          <p:cNvPr id="8" name="TextBox 7">
-            <a:extLst>
-              <a:ext uri="{FF2B5EF4-FFF2-40B4-BE49-F238E27FC236}">
-                <a16:creationId xmlns:a16="http://schemas.microsoft.com/office/drawing/2014/main" id="{58FF9C2C-2F39-3199-314E-3D3CCC22105B}"/>
-              </a:ext>
-            </a:extLst>
-          </p:cNvPr>
-          <p:cNvSpPr txBox="1"/>
-          <p:nvPr/>
-        </p:nvSpPr>
-        <p:spPr>
-          <a:xfrm>
-            <a:off x="5160853" y="4923227"/>
-            <a:ext cx="2064097" cy="923330"/>
-          </a:xfrm>
-          <a:prstGeom prst="rect">
-            <a:avLst/>
-          </a:prstGeom>
-          <a:noFill/>
-        </p:spPr>
-        <p:txBody>
-          <a:bodyPr wrap="square" rtlCol="0">
-            <a:spAutoFit/>
-          </a:bodyPr>
-          <a:lstStyle/>
-          <a:p>
-            <a:pPr algn="ctr"/>
-            <a:r>
-              <a:rPr lang="en-GB" dirty="0"/>
-              <a:t>Joseph Lee</a:t>
-            </a:r>
-          </a:p>
-          <a:p>
-            <a:pPr algn="ctr"/>
-            <a:r>
-              <a:rPr lang="en-GB" dirty="0"/>
-              <a:t>EPCC University of Edinburgh</a:t>
-            </a:r>
-          </a:p>
-        </p:txBody>
-      </p:sp>
-      <p:sp>
-        <p:nvSpPr>
-          <p:cNvPr id="9" name="TextBox 8">
-            <a:extLst>
-              <a:ext uri="{FF2B5EF4-FFF2-40B4-BE49-F238E27FC236}">
-                <a16:creationId xmlns:a16="http://schemas.microsoft.com/office/drawing/2014/main" id="{F591E58F-34ED-BE65-55B7-F4C3AE6D6506}"/>
-              </a:ext>
-            </a:extLst>
-          </p:cNvPr>
-          <p:cNvSpPr txBox="1"/>
-          <p:nvPr/>
-        </p:nvSpPr>
-        <p:spPr>
-          <a:xfrm>
-            <a:off x="9264352" y="4903765"/>
-            <a:ext cx="2064097" cy="646331"/>
-          </a:xfrm>
-          <a:prstGeom prst="rect">
-            <a:avLst/>
-          </a:prstGeom>
-          <a:noFill/>
-        </p:spPr>
-        <p:txBody>
-          <a:bodyPr wrap="square" rtlCol="0">
-            <a:spAutoFit/>
-          </a:bodyPr>
-          <a:lstStyle/>
-          <a:p>
-            <a:pPr algn="ctr"/>
-            <a:r>
-              <a:rPr lang="en-GB" sz="1800" b="0" i="0" u="none" strike="noStrike" dirty="0">
-                <a:solidFill>
-                  <a:srgbClr val="000000"/>
-                </a:solidFill>
-                <a:effectLst/>
-                <a:latin typeface="Arial" panose="020B0604020202020204" pitchFamily="34" charset="0"/>
-              </a:rPr>
-              <a:t>Leighton Wilson</a:t>
-            </a:r>
-          </a:p>
-          <a:p>
-            <a:pPr algn="ctr"/>
-            <a:r>
-              <a:rPr lang="en-GB" dirty="0" err="1">
-                <a:solidFill>
-                  <a:srgbClr val="000000"/>
-                </a:solidFill>
-                <a:latin typeface="Arial" panose="020B0604020202020204" pitchFamily="34" charset="0"/>
-              </a:rPr>
-              <a:t>Cerebras</a:t>
-            </a:r>
-            <a:r>
-              <a:rPr lang="en-GB" dirty="0">
-                <a:solidFill>
-                  <a:srgbClr val="000000"/>
-                </a:solidFill>
-                <a:latin typeface="Arial" panose="020B0604020202020204" pitchFamily="34" charset="0"/>
-              </a:rPr>
-              <a:t> Systems</a:t>
-            </a:r>
-            <a:endParaRPr lang="en-GB" dirty="0"/>
-          </a:p>
-        </p:txBody>
-      </p:sp>
-      <p:pic>
-        <p:nvPicPr>
-          <p:cNvPr id="2" name="Picture 2" descr="Joseph Lee">
-            <a:extLst>
-              <a:ext uri="{FF2B5EF4-FFF2-40B4-BE49-F238E27FC236}">
-                <a16:creationId xmlns:a16="http://schemas.microsoft.com/office/drawing/2014/main" id="{83F9E9A3-5380-B6CA-6455-3846C6240FB7}"/>
-              </a:ext>
-            </a:extLst>
-          </p:cNvPr>
-          <p:cNvPicPr>
-            <a:picLocks noChangeAspect="1" noChangeArrowheads="1"/>
-          </p:cNvPicPr>
-          <p:nvPr/>
-        </p:nvPicPr>
-        <p:blipFill rotWithShape="1">
-          <a:blip r:embed="rId4">
-            <a:extLst>
-              <a:ext uri="{28A0092B-C50C-407E-A947-70E740481C1C}">
-                <a14:useLocalDpi xmlns:a14="http://schemas.microsoft.com/office/drawing/2010/main" val="0"/>
-              </a:ext>
-            </a:extLst>
-          </a:blip>
-          <a:srcRect l="10311" r="10311" b="40928"/>
-          <a:stretch/>
-        </p:blipFill>
-        <p:spPr bwMode="auto">
-          <a:xfrm>
-            <a:off x="5106356" y="2708921"/>
-            <a:ext cx="2173089" cy="2184572"/>
-          </a:xfrm>
-          <a:prstGeom prst="ellipse">
-            <a:avLst/>
-          </a:prstGeom>
-          <a:ln>
-            <a:noFill/>
-          </a:ln>
-          <a:effectLst>
-            <a:softEdge rad="112500"/>
-          </a:effectLst>
-          <a:extLst>
-            <a:ext uri="{909E8E84-426E-40DD-AFC4-6F175D3DCCD1}">
-              <a14:hiddenFill xmlns:a14="http://schemas.microsoft.com/office/drawing/2010/main">
-                <a:solidFill>
-                  <a:srgbClr val="FFFFFF"/>
-                </a:solidFill>
-              </a14:hiddenFill>
-            </a:ext>
-          </a:extLst>
-        </p:spPr>
-      </p:pic>
-      <p:pic>
-        <p:nvPicPr>
-          <p:cNvPr id="1028" name="Picture 4" descr="Leighton Wilson, Author at Cerebras">
-            <a:extLst>
-              <a:ext uri="{FF2B5EF4-FFF2-40B4-BE49-F238E27FC236}">
-                <a16:creationId xmlns:a16="http://schemas.microsoft.com/office/drawing/2014/main" id="{BE50192C-FE62-E727-1308-C4F27EA0B257}"/>
-              </a:ext>
-            </a:extLst>
-          </p:cNvPr>
-          <p:cNvPicPr>
-            <a:picLocks noChangeAspect="1" noChangeArrowheads="1"/>
-          </p:cNvPicPr>
-          <p:nvPr/>
-        </p:nvPicPr>
-        <p:blipFill>
-          <a:blip r:embed="rId5">
-            <a:extLst>
-              <a:ext uri="{28A0092B-C50C-407E-A947-70E740481C1C}">
-                <a14:useLocalDpi xmlns:a14="http://schemas.microsoft.com/office/drawing/2010/main" val="0"/>
-              </a:ext>
-            </a:extLst>
-          </a:blip>
-          <a:srcRect/>
-          <a:stretch>
-            <a:fillRect/>
-          </a:stretch>
-        </p:blipFill>
-        <p:spPr bwMode="auto">
-          <a:xfrm>
-            <a:off x="9271068" y="2848367"/>
-            <a:ext cx="2045125" cy="2045125"/>
-          </a:xfrm>
-          <a:prstGeom prst="ellipse">
-            <a:avLst/>
-          </a:prstGeom>
-          <a:ln>
-            <a:noFill/>
-          </a:ln>
-          <a:effectLst>
-            <a:softEdge rad="112500"/>
-          </a:effectLst>
-          <a:extLst>
-            <a:ext uri="{909E8E84-426E-40DD-AFC4-6F175D3DCCD1}">
-              <a14:hiddenFill xmlns:a14="http://schemas.microsoft.com/office/drawing/2010/main">
-                <a:solidFill>
-                  <a:srgbClr val="FFFFFF"/>
-                </a:solidFill>
-              </a14:hiddenFill>
-            </a:ext>
-          </a:extLst>
-        </p:spPr>
-      </p:pic>
-      <p:pic>
-        <p:nvPicPr>
           <p:cNvPr id="1030" name="Picture 6" descr="EPCC">
             <a:extLst>
               <a:ext uri="{FF2B5EF4-FFF2-40B4-BE49-F238E27FC236}">
@@ -4380,7 +4075,7 @@
           <p:nvPr/>
         </p:nvPicPr>
         <p:blipFill rotWithShape="1">
-          <a:blip r:embed="rId6">
+          <a:blip r:embed="rId3">
             <a:extLst>
               <a:ext uri="{28A0092B-C50C-407E-A947-70E740481C1C}">
                 <a14:useLocalDpi xmlns:a14="http://schemas.microsoft.com/office/drawing/2010/main" val="0"/>
@@ -4425,7 +4120,7 @@
           <p:nvPr/>
         </p:nvPicPr>
         <p:blipFill>
-          <a:blip r:embed="rId7"/>
+          <a:blip r:embed="rId4"/>
           <a:stretch>
             <a:fillRect/>
           </a:stretch>
@@ -4455,7 +4150,7 @@
           <p:nvPr/>
         </p:nvPicPr>
         <p:blipFill>
-          <a:blip r:embed="rId8">
+          <a:blip r:embed="rId5">
             <a:extLst>
               <a:ext uri="{28A0092B-C50C-407E-A947-70E740481C1C}">
                 <a14:useLocalDpi xmlns:a14="http://schemas.microsoft.com/office/drawing/2010/main" val="0"/>
@@ -4476,6 +4171,419 @@
             <a:avLst/>
           </a:prstGeom>
           <a:noFill/>
+          <a:extLst>
+            <a:ext uri="{909E8E84-426E-40DD-AFC4-6F175D3DCCD1}">
+              <a14:hiddenFill xmlns:a14="http://schemas.microsoft.com/office/drawing/2010/main">
+                <a:solidFill>
+                  <a:srgbClr val="FFFFFF"/>
+                </a:solidFill>
+              </a14:hiddenFill>
+            </a:ext>
+          </a:extLst>
+        </p:spPr>
+      </p:pic>
+      <p:pic>
+        <p:nvPicPr>
+          <p:cNvPr id="4" name="Picture 2" descr="Nick Brown">
+            <a:extLst>
+              <a:ext uri="{FF2B5EF4-FFF2-40B4-BE49-F238E27FC236}">
+                <a16:creationId xmlns:a16="http://schemas.microsoft.com/office/drawing/2014/main" id="{356AD98D-75A2-02CD-71EB-A74ECFB046D5}"/>
+              </a:ext>
+            </a:extLst>
+          </p:cNvPr>
+          <p:cNvPicPr>
+            <a:picLocks noChangeAspect="1" noChangeArrowheads="1"/>
+          </p:cNvPicPr>
+          <p:nvPr/>
+        </p:nvPicPr>
+        <p:blipFill>
+          <a:blip r:embed="rId6">
+            <a:extLst>
+              <a:ext uri="{28A0092B-C50C-407E-A947-70E740481C1C}">
+                <a14:useLocalDpi xmlns:a14="http://schemas.microsoft.com/office/drawing/2010/main" val="0"/>
+              </a:ext>
+            </a:extLst>
+          </a:blip>
+          <a:srcRect/>
+          <a:stretch>
+            <a:fillRect/>
+          </a:stretch>
+        </p:blipFill>
+        <p:spPr bwMode="auto">
+          <a:xfrm>
+            <a:off x="79730" y="2481264"/>
+            <a:ext cx="1920478" cy="2400597"/>
+          </a:xfrm>
+          <a:prstGeom prst="ellipse">
+            <a:avLst/>
+          </a:prstGeom>
+          <a:ln>
+            <a:noFill/>
+          </a:ln>
+          <a:effectLst>
+            <a:softEdge rad="112500"/>
+          </a:effectLst>
+          <a:extLst>
+            <a:ext uri="{909E8E84-426E-40DD-AFC4-6F175D3DCCD1}">
+              <a14:hiddenFill xmlns:a14="http://schemas.microsoft.com/office/drawing/2010/main">
+                <a:solidFill>
+                  <a:srgbClr val="FFFFFF"/>
+                </a:solidFill>
+              </a14:hiddenFill>
+            </a:ext>
+          </a:extLst>
+        </p:spPr>
+      </p:pic>
+      <p:sp>
+        <p:nvSpPr>
+          <p:cNvPr id="5" name="TextBox 4">
+            <a:extLst>
+              <a:ext uri="{FF2B5EF4-FFF2-40B4-BE49-F238E27FC236}">
+                <a16:creationId xmlns:a16="http://schemas.microsoft.com/office/drawing/2014/main" id="{F159C59E-7934-4C24-7281-40B618034E53}"/>
+              </a:ext>
+            </a:extLst>
+          </p:cNvPr>
+          <p:cNvSpPr txBox="1"/>
+          <p:nvPr/>
+        </p:nvSpPr>
+        <p:spPr>
+          <a:xfrm>
+            <a:off x="79730" y="4911595"/>
+            <a:ext cx="2064097" cy="923330"/>
+          </a:xfrm>
+          <a:prstGeom prst="rect">
+            <a:avLst/>
+          </a:prstGeom>
+          <a:noFill/>
+        </p:spPr>
+        <p:txBody>
+          <a:bodyPr wrap="square" rtlCol="0">
+            <a:spAutoFit/>
+          </a:bodyPr>
+          <a:lstStyle/>
+          <a:p>
+            <a:pPr algn="ctr"/>
+            <a:r>
+              <a:rPr lang="en-GB" dirty="0"/>
+              <a:t>Nick Brown </a:t>
+            </a:r>
+          </a:p>
+          <a:p>
+            <a:pPr algn="ctr"/>
+            <a:r>
+              <a:rPr lang="en-GB" dirty="0"/>
+              <a:t>EPCC University of Edinburgh</a:t>
+            </a:r>
+          </a:p>
+        </p:txBody>
+      </p:sp>
+      <p:pic>
+        <p:nvPicPr>
+          <p:cNvPr id="6" name="Picture 5" descr="David Kacs in Bayes building">
+            <a:extLst>
+              <a:ext uri="{FF2B5EF4-FFF2-40B4-BE49-F238E27FC236}">
+                <a16:creationId xmlns:a16="http://schemas.microsoft.com/office/drawing/2014/main" id="{74A23003-55D0-CF37-ECEE-1AA92D0D1BAC}"/>
+              </a:ext>
+            </a:extLst>
+          </p:cNvPr>
+          <p:cNvPicPr>
+            <a:picLocks noChangeAspect="1" noChangeArrowheads="1"/>
+          </p:cNvPicPr>
+          <p:nvPr/>
+        </p:nvPicPr>
+        <p:blipFill rotWithShape="1">
+          <a:blip r:embed="rId7">
+            <a:extLst>
+              <a:ext uri="{28A0092B-C50C-407E-A947-70E740481C1C}">
+                <a14:useLocalDpi xmlns:a14="http://schemas.microsoft.com/office/drawing/2010/main" val="0"/>
+              </a:ext>
+            </a:extLst>
+          </a:blip>
+          <a:srcRect l="19130" t="10934" r="60264" b="50000"/>
+          <a:stretch/>
+        </p:blipFill>
+        <p:spPr bwMode="auto">
+          <a:xfrm>
+            <a:off x="9656952" y="2500680"/>
+            <a:ext cx="2122160" cy="2400597"/>
+          </a:xfrm>
+          <a:prstGeom prst="ellipse">
+            <a:avLst/>
+          </a:prstGeom>
+          <a:ln>
+            <a:noFill/>
+          </a:ln>
+          <a:effectLst>
+            <a:softEdge rad="112500"/>
+          </a:effectLst>
+          <a:extLst>
+            <a:ext uri="{909E8E84-426E-40DD-AFC4-6F175D3DCCD1}">
+              <a14:hiddenFill xmlns:a14="http://schemas.microsoft.com/office/drawing/2010/main">
+                <a:solidFill>
+                  <a:srgbClr val="FFFFFF"/>
+                </a:solidFill>
+              </a14:hiddenFill>
+            </a:ext>
+          </a:extLst>
+        </p:spPr>
+      </p:pic>
+      <p:sp>
+        <p:nvSpPr>
+          <p:cNvPr id="11" name="TextBox 10">
+            <a:extLst>
+              <a:ext uri="{FF2B5EF4-FFF2-40B4-BE49-F238E27FC236}">
+                <a16:creationId xmlns:a16="http://schemas.microsoft.com/office/drawing/2014/main" id="{C8ABF7B5-4D5E-BCD6-10B8-5A635DC5FA39}"/>
+              </a:ext>
+            </a:extLst>
+          </p:cNvPr>
+          <p:cNvSpPr txBox="1"/>
+          <p:nvPr/>
+        </p:nvSpPr>
+        <p:spPr>
+          <a:xfrm>
+            <a:off x="9685983" y="4901277"/>
+            <a:ext cx="2064097" cy="923330"/>
+          </a:xfrm>
+          <a:prstGeom prst="rect">
+            <a:avLst/>
+          </a:prstGeom>
+          <a:noFill/>
+        </p:spPr>
+        <p:txBody>
+          <a:bodyPr wrap="square" rtlCol="0">
+            <a:spAutoFit/>
+          </a:bodyPr>
+          <a:lstStyle/>
+          <a:p>
+            <a:pPr algn="ctr"/>
+            <a:r>
+              <a:rPr lang="en-GB" dirty="0"/>
+              <a:t>David </a:t>
+            </a:r>
+            <a:r>
+              <a:rPr lang="en-GB" dirty="0" err="1"/>
+              <a:t>Kacs</a:t>
+            </a:r>
+            <a:endParaRPr lang="en-GB" dirty="0"/>
+          </a:p>
+          <a:p>
+            <a:pPr algn="ctr"/>
+            <a:r>
+              <a:rPr lang="en-GB" dirty="0"/>
+              <a:t>EPCC University of Edinburgh</a:t>
+            </a:r>
+          </a:p>
+        </p:txBody>
+      </p:sp>
+      <p:pic>
+        <p:nvPicPr>
+          <p:cNvPr id="12" name="Picture 6" descr="Justs Zarins">
+            <a:extLst>
+              <a:ext uri="{FF2B5EF4-FFF2-40B4-BE49-F238E27FC236}">
+                <a16:creationId xmlns:a16="http://schemas.microsoft.com/office/drawing/2014/main" id="{5D6B8607-CE34-C263-2402-CF0E3769ACBA}"/>
+              </a:ext>
+            </a:extLst>
+          </p:cNvPr>
+          <p:cNvPicPr>
+            <a:picLocks noChangeAspect="1" noChangeArrowheads="1"/>
+          </p:cNvPicPr>
+          <p:nvPr/>
+        </p:nvPicPr>
+        <p:blipFill>
+          <a:blip r:embed="rId8">
+            <a:extLst>
+              <a:ext uri="{28A0092B-C50C-407E-A947-70E740481C1C}">
+                <a14:useLocalDpi xmlns:a14="http://schemas.microsoft.com/office/drawing/2010/main" val="0"/>
+              </a:ext>
+            </a:extLst>
+          </a:blip>
+          <a:srcRect/>
+          <a:stretch>
+            <a:fillRect/>
+          </a:stretch>
+        </p:blipFill>
+        <p:spPr bwMode="auto">
+          <a:xfrm>
+            <a:off x="6398032" y="2529435"/>
+            <a:ext cx="2016224" cy="2520280"/>
+          </a:xfrm>
+          <a:prstGeom prst="ellipse">
+            <a:avLst/>
+          </a:prstGeom>
+          <a:ln>
+            <a:noFill/>
+          </a:ln>
+          <a:effectLst>
+            <a:softEdge rad="112500"/>
+          </a:effectLst>
+          <a:extLst>
+            <a:ext uri="{909E8E84-426E-40DD-AFC4-6F175D3DCCD1}">
+              <a14:hiddenFill xmlns:a14="http://schemas.microsoft.com/office/drawing/2010/main">
+                <a:solidFill>
+                  <a:srgbClr val="FFFFFF"/>
+                </a:solidFill>
+              </a14:hiddenFill>
+            </a:ext>
+          </a:extLst>
+        </p:spPr>
+      </p:pic>
+      <p:sp>
+        <p:nvSpPr>
+          <p:cNvPr id="13" name="TextBox 12">
+            <a:extLst>
+              <a:ext uri="{FF2B5EF4-FFF2-40B4-BE49-F238E27FC236}">
+                <a16:creationId xmlns:a16="http://schemas.microsoft.com/office/drawing/2014/main" id="{D4986CC6-298E-D32B-64AC-7C92650AA0C0}"/>
+              </a:ext>
+            </a:extLst>
+          </p:cNvPr>
+          <p:cNvSpPr txBox="1"/>
+          <p:nvPr/>
+        </p:nvSpPr>
+        <p:spPr>
+          <a:xfrm>
+            <a:off x="6474141" y="4906621"/>
+            <a:ext cx="2064097" cy="923330"/>
+          </a:xfrm>
+          <a:prstGeom prst="rect">
+            <a:avLst/>
+          </a:prstGeom>
+          <a:noFill/>
+        </p:spPr>
+        <p:txBody>
+          <a:bodyPr wrap="square" rtlCol="0">
+            <a:spAutoFit/>
+          </a:bodyPr>
+          <a:lstStyle/>
+          <a:p>
+            <a:pPr algn="ctr"/>
+            <a:r>
+              <a:rPr lang="en-GB" dirty="0" err="1"/>
+              <a:t>Justs</a:t>
+            </a:r>
+            <a:r>
+              <a:rPr lang="en-GB" dirty="0"/>
+              <a:t> </a:t>
+            </a:r>
+            <a:r>
+              <a:rPr lang="en-GB" dirty="0" err="1"/>
+              <a:t>Zarins</a:t>
+            </a:r>
+            <a:endParaRPr lang="en-GB" dirty="0"/>
+          </a:p>
+          <a:p>
+            <a:pPr algn="ctr"/>
+            <a:r>
+              <a:rPr lang="en-GB" dirty="0"/>
+              <a:t>EPCC University of Edinburgh</a:t>
+            </a:r>
+          </a:p>
+        </p:txBody>
+      </p:sp>
+      <p:sp>
+        <p:nvSpPr>
+          <p:cNvPr id="14" name="TextBox 13">
+            <a:extLst>
+              <a:ext uri="{FF2B5EF4-FFF2-40B4-BE49-F238E27FC236}">
+                <a16:creationId xmlns:a16="http://schemas.microsoft.com/office/drawing/2014/main" id="{2F132FB1-E7A7-7596-B873-7A5CA05B2A6A}"/>
+              </a:ext>
+            </a:extLst>
+          </p:cNvPr>
+          <p:cNvSpPr txBox="1"/>
+          <p:nvPr/>
+        </p:nvSpPr>
+        <p:spPr>
+          <a:xfrm>
+            <a:off x="3215221" y="5016539"/>
+            <a:ext cx="2064097" cy="646331"/>
+          </a:xfrm>
+          <a:prstGeom prst="rect">
+            <a:avLst/>
+          </a:prstGeom>
+          <a:noFill/>
+        </p:spPr>
+        <p:txBody>
+          <a:bodyPr wrap="square" rtlCol="0">
+            <a:spAutoFit/>
+          </a:bodyPr>
+          <a:lstStyle/>
+          <a:p>
+            <a:pPr algn="ctr"/>
+            <a:r>
+              <a:rPr lang="en-GB" sz="1800" b="0" i="0" u="none" strike="noStrike" dirty="0">
+                <a:solidFill>
+                  <a:srgbClr val="000000"/>
+                </a:solidFill>
+                <a:effectLst/>
+                <a:latin typeface="Arial" panose="020B0604020202020204" pitchFamily="34" charset="0"/>
+              </a:rPr>
+              <a:t>Leighton Wilson</a:t>
+            </a:r>
+          </a:p>
+          <a:p>
+            <a:pPr algn="ctr"/>
+            <a:r>
+              <a:rPr lang="en-GB" dirty="0" err="1">
+                <a:solidFill>
+                  <a:srgbClr val="000000"/>
+                </a:solidFill>
+                <a:latin typeface="Arial" panose="020B0604020202020204" pitchFamily="34" charset="0"/>
+              </a:rPr>
+              <a:t>Cerebras</a:t>
+            </a:r>
+            <a:r>
+              <a:rPr lang="en-GB" dirty="0">
+                <a:solidFill>
+                  <a:srgbClr val="000000"/>
+                </a:solidFill>
+                <a:latin typeface="Arial" panose="020B0604020202020204" pitchFamily="34" charset="0"/>
+              </a:rPr>
+              <a:t> Systems</a:t>
+            </a:r>
+            <a:endParaRPr lang="en-GB" dirty="0"/>
+          </a:p>
+        </p:txBody>
+      </p:sp>
+      <p:pic>
+        <p:nvPicPr>
+          <p:cNvPr id="15" name="Picture 4" descr="Leighton Wilson, Author at Cerebras">
+            <a:extLst>
+              <a:ext uri="{FF2B5EF4-FFF2-40B4-BE49-F238E27FC236}">
+                <a16:creationId xmlns:a16="http://schemas.microsoft.com/office/drawing/2014/main" id="{FC767372-1199-6681-16A0-D96A6EB9752A}"/>
+              </a:ext>
+            </a:extLst>
+          </p:cNvPr>
+          <p:cNvPicPr>
+            <a:picLocks noChangeAspect="1" noChangeArrowheads="1"/>
+          </p:cNvPicPr>
+          <p:nvPr/>
+        </p:nvPicPr>
+        <p:blipFill>
+          <a:blip r:embed="rId9">
+            <a:extLst>
+              <a:ext uri="{28A0092B-C50C-407E-A947-70E740481C1C}">
+                <a14:useLocalDpi xmlns:a14="http://schemas.microsoft.com/office/drawing/2010/main" val="0"/>
+              </a:ext>
+            </a:extLst>
+          </a:blip>
+          <a:srcRect/>
+          <a:stretch>
+            <a:fillRect/>
+          </a:stretch>
+        </p:blipFill>
+        <p:spPr bwMode="auto">
+          <a:xfrm>
+            <a:off x="3242904" y="2619567"/>
+            <a:ext cx="2248566" cy="2248566"/>
+          </a:xfrm>
+          <a:prstGeom prst="ellipse">
+            <a:avLst/>
+          </a:prstGeom>
+          <a:ln>
+            <a:noFill/>
+          </a:ln>
+          <a:effectLst>
+            <a:softEdge rad="112500"/>
+          </a:effectLst>
           <a:extLst>
             <a:ext uri="{909E8E84-426E-40DD-AFC4-6F175D3DCCD1}">
               <a14:hiddenFill xmlns:a14="http://schemas.microsoft.com/office/drawing/2010/main">
